--- a/docs/ProjectReport/ProjectSlide.pptx
+++ b/docs/ProjectReport/ProjectSlide.pptx
@@ -14,11 +14,11 @@
     <p:sldId id="287" r:id="rId5"/>
     <p:sldId id="288" r:id="rId6"/>
     <p:sldId id="289" r:id="rId7"/>
-    <p:sldId id="291" r:id="rId8"/>
+    <p:sldId id="290" r:id="rId8"/>
     <p:sldId id="292" r:id="rId9"/>
-    <p:sldId id="290" r:id="rId10"/>
-    <p:sldId id="293" r:id="rId11"/>
-    <p:sldId id="296" r:id="rId12"/>
+    <p:sldId id="293" r:id="rId10"/>
+    <p:sldId id="296" r:id="rId11"/>
+    <p:sldId id="291" r:id="rId12"/>
     <p:sldId id="295" r:id="rId13"/>
     <p:sldId id="297" r:id="rId14"/>
     <p:sldId id="263" r:id="rId15"/>
@@ -211,7 +211,7 @@
           <a:p>
             <a:fld id="{9CCDC2CD-8613-D146-8518-AC99D946DF95}" type="datetimeFigureOut">
               <a:rPr lang="en-US" smtClean="0"/>
-              <a:t>6/27/22</a:t>
+              <a:t>8/1/2024</a:t>
             </a:fld>
             <a:endParaRPr lang="en-US"/>
           </a:p>
@@ -636,7 +636,7 @@
     </p:spTree>
     <p:extLst>
       <p:ext uri="{BB962C8B-B14F-4D97-AF65-F5344CB8AC3E}">
-        <p14:creationId xmlns:p14="http://schemas.microsoft.com/office/powerpoint/2010/main" val="1392350477"/>
+        <p14:creationId xmlns:p14="http://schemas.microsoft.com/office/powerpoint/2010/main" val="2140077023"/>
       </p:ext>
     </p:extLst>
   </p:cSld>
@@ -720,7 +720,7 @@
     </p:spTree>
     <p:extLst>
       <p:ext uri="{BB962C8B-B14F-4D97-AF65-F5344CB8AC3E}">
-        <p14:creationId xmlns:p14="http://schemas.microsoft.com/office/powerpoint/2010/main" val="2140077023"/>
+        <p14:creationId xmlns:p14="http://schemas.microsoft.com/office/powerpoint/2010/main" val="838658729"/>
       </p:ext>
     </p:extLst>
   </p:cSld>
@@ -1560,7 +1560,7 @@
     </p:spTree>
     <p:extLst>
       <p:ext uri="{BB962C8B-B14F-4D97-AF65-F5344CB8AC3E}">
-        <p14:creationId xmlns:p14="http://schemas.microsoft.com/office/powerpoint/2010/main" val="838658729"/>
+        <p14:creationId xmlns:p14="http://schemas.microsoft.com/office/powerpoint/2010/main" val="3010843482"/>
       </p:ext>
     </p:extLst>
   </p:cSld>
@@ -1728,7 +1728,7 @@
     </p:spTree>
     <p:extLst>
       <p:ext uri="{BB962C8B-B14F-4D97-AF65-F5344CB8AC3E}">
-        <p14:creationId xmlns:p14="http://schemas.microsoft.com/office/powerpoint/2010/main" val="3010843482"/>
+        <p14:creationId xmlns:p14="http://schemas.microsoft.com/office/powerpoint/2010/main" val="1392350477"/>
       </p:ext>
     </p:extLst>
   </p:cSld>
@@ -5570,14 +5570,6 @@
 <file path=ppt/slides/slide10.xml><?xml version="1.0" encoding="utf-8"?>
 <p:sld xmlns:a="http://schemas.openxmlformats.org/drawingml/2006/main" xmlns:r="http://schemas.openxmlformats.org/officeDocument/2006/relationships" xmlns:p="http://schemas.openxmlformats.org/presentationml/2006/main">
   <p:cSld>
-    <p:bg>
-      <p:bgPr>
-        <a:solidFill>
-          <a:schemeClr val="bg1"/>
-        </a:solidFill>
-        <a:effectLst/>
-      </p:bgPr>
-    </p:bg>
     <p:spTree>
       <p:nvGrpSpPr>
         <p:cNvPr id="1" name=""/>
@@ -5623,7 +5615,7 @@
                 <a:latin typeface="Helvetica Neue Light" panose="02000403000000020004" pitchFamily="2" charset="0"/>
                 <a:ea typeface="Helvetica Neue Light" panose="02000403000000020004" pitchFamily="2" charset="0"/>
               </a:rPr>
-              <a:t>Entity Relationship Diagram</a:t>
+              <a:t>Deployment Diagram</a:t>
             </a:r>
           </a:p>
         </p:txBody>
@@ -5767,7 +5759,7 @@
     </p:spTree>
     <p:extLst>
       <p:ext uri="{BB962C8B-B14F-4D97-AF65-F5344CB8AC3E}">
-        <p14:creationId xmlns:p14="http://schemas.microsoft.com/office/powerpoint/2010/main" val="2667165334"/>
+        <p14:creationId xmlns:p14="http://schemas.microsoft.com/office/powerpoint/2010/main" val="673445278"/>
       </p:ext>
     </p:extLst>
   </p:cSld>
@@ -5792,6 +5784,14 @@
 <file path=ppt/slides/slide11.xml><?xml version="1.0" encoding="utf-8"?>
 <p:sld xmlns:a="http://schemas.openxmlformats.org/drawingml/2006/main" xmlns:r="http://schemas.openxmlformats.org/officeDocument/2006/relationships" xmlns:p="http://schemas.openxmlformats.org/presentationml/2006/main">
   <p:cSld>
+    <p:bg>
+      <p:bgPr>
+        <a:solidFill>
+          <a:schemeClr val="bg1"/>
+        </a:solidFill>
+        <a:effectLst/>
+      </p:bgPr>
+    </p:bg>
     <p:spTree>
       <p:nvGrpSpPr>
         <p:cNvPr id="1" name=""/>
@@ -5837,7 +5837,7 @@
                 <a:latin typeface="Helvetica Neue Light" panose="02000403000000020004" pitchFamily="2" charset="0"/>
                 <a:ea typeface="Helvetica Neue Light" panose="02000403000000020004" pitchFamily="2" charset="0"/>
               </a:rPr>
-              <a:t>Deployment Diagram</a:t>
+              <a:t>UI Design</a:t>
             </a:r>
           </a:p>
         </p:txBody>
@@ -5981,7 +5981,7 @@
     </p:spTree>
     <p:extLst>
       <p:ext uri="{BB962C8B-B14F-4D97-AF65-F5344CB8AC3E}">
-        <p14:creationId xmlns:p14="http://schemas.microsoft.com/office/powerpoint/2010/main" val="673445278"/>
+        <p14:creationId xmlns:p14="http://schemas.microsoft.com/office/powerpoint/2010/main" val="1512216451"/>
       </p:ext>
     </p:extLst>
   </p:cSld>
@@ -7761,7 +7761,7 @@
                 <a:latin typeface="Helvetica Neue Light" panose="02000403000000020004" pitchFamily="2" charset="0"/>
                 <a:ea typeface="Helvetica Neue Light" panose="02000403000000020004" pitchFamily="2" charset="0"/>
               </a:rPr>
-              <a:t>UI Design</a:t>
+              <a:t>Sequence Diagram</a:t>
             </a:r>
           </a:p>
         </p:txBody>
@@ -7905,7 +7905,7 @@
     </p:spTree>
     <p:extLst>
       <p:ext uri="{BB962C8B-B14F-4D97-AF65-F5344CB8AC3E}">
-        <p14:creationId xmlns:p14="http://schemas.microsoft.com/office/powerpoint/2010/main" val="1512216451"/>
+        <p14:creationId xmlns:p14="http://schemas.microsoft.com/office/powerpoint/2010/main" val="1824775772"/>
       </p:ext>
     </p:extLst>
   </p:cSld>
@@ -8205,7 +8205,7 @@
                 <a:latin typeface="Helvetica Neue Light" panose="02000403000000020004" pitchFamily="2" charset="0"/>
                 <a:ea typeface="Helvetica Neue Light" panose="02000403000000020004" pitchFamily="2" charset="0"/>
               </a:rPr>
-              <a:t>Sequence Diagram</a:t>
+              <a:t>Entity Relationship Diagram</a:t>
             </a:r>
           </a:p>
         </p:txBody>
@@ -8349,7 +8349,7 @@
     </p:spTree>
     <p:extLst>
       <p:ext uri="{BB962C8B-B14F-4D97-AF65-F5344CB8AC3E}">
-        <p14:creationId xmlns:p14="http://schemas.microsoft.com/office/powerpoint/2010/main" val="1824775772"/>
+        <p14:creationId xmlns:p14="http://schemas.microsoft.com/office/powerpoint/2010/main" val="2667165334"/>
       </p:ext>
     </p:extLst>
   </p:cSld>

--- a/docs/ProjectReport/ProjectSlide.pptx
+++ b/docs/ProjectReport/ProjectSlide.pptx
@@ -5,24 +5,23 @@
     <p:sldMasterId id="2147483677" r:id="rId1"/>
   </p:sldMasterIdLst>
   <p:notesMasterIdLst>
-    <p:notesMasterId r:id="rId17"/>
+    <p:notesMasterId r:id="rId16"/>
   </p:notesMasterIdLst>
   <p:sldIdLst>
     <p:sldId id="282" r:id="rId2"/>
     <p:sldId id="285" r:id="rId3"/>
     <p:sldId id="294" r:id="rId4"/>
     <p:sldId id="287" r:id="rId5"/>
-    <p:sldId id="288" r:id="rId6"/>
-    <p:sldId id="289" r:id="rId7"/>
-    <p:sldId id="290" r:id="rId8"/>
-    <p:sldId id="292" r:id="rId9"/>
-    <p:sldId id="293" r:id="rId10"/>
-    <p:sldId id="296" r:id="rId11"/>
-    <p:sldId id="291" r:id="rId12"/>
-    <p:sldId id="295" r:id="rId13"/>
-    <p:sldId id="297" r:id="rId14"/>
-    <p:sldId id="263" r:id="rId15"/>
-    <p:sldId id="286" r:id="rId16"/>
+    <p:sldId id="301" r:id="rId6"/>
+    <p:sldId id="290" r:id="rId7"/>
+    <p:sldId id="292" r:id="rId8"/>
+    <p:sldId id="293" r:id="rId9"/>
+    <p:sldId id="296" r:id="rId10"/>
+    <p:sldId id="291" r:id="rId11"/>
+    <p:sldId id="295" r:id="rId12"/>
+    <p:sldId id="297" r:id="rId13"/>
+    <p:sldId id="263" r:id="rId14"/>
+    <p:sldId id="286" r:id="rId15"/>
   </p:sldIdLst>
   <p:sldSz cx="12192000" cy="6858000"/>
   <p:notesSz cx="6858000" cy="9144000"/>
@@ -211,7 +210,7 @@
           <a:p>
             <a:fld id="{9CCDC2CD-8613-D146-8518-AC99D946DF95}" type="datetimeFigureOut">
               <a:rPr lang="en-US" smtClean="0"/>
-              <a:t>8/1/2024</a:t>
+              <a:t>06/08/2024</a:t>
             </a:fld>
             <a:endParaRPr lang="en-US"/>
           </a:p>
@@ -636,7 +635,7 @@
     </p:spTree>
     <p:extLst>
       <p:ext uri="{BB962C8B-B14F-4D97-AF65-F5344CB8AC3E}">
-        <p14:creationId xmlns:p14="http://schemas.microsoft.com/office/powerpoint/2010/main" val="2140077023"/>
+        <p14:creationId xmlns:p14="http://schemas.microsoft.com/office/powerpoint/2010/main" val="838658729"/>
       </p:ext>
     </p:extLst>
   </p:cSld>
@@ -720,7 +719,7 @@
     </p:spTree>
     <p:extLst>
       <p:ext uri="{BB962C8B-B14F-4D97-AF65-F5344CB8AC3E}">
-        <p14:creationId xmlns:p14="http://schemas.microsoft.com/office/powerpoint/2010/main" val="838658729"/>
+        <p14:creationId xmlns:p14="http://schemas.microsoft.com/office/powerpoint/2010/main" val="3876321132"/>
       </p:ext>
     </p:extLst>
   </p:cSld>
@@ -804,7 +803,7 @@
     </p:spTree>
     <p:extLst>
       <p:ext uri="{BB962C8B-B14F-4D97-AF65-F5344CB8AC3E}">
-        <p14:creationId xmlns:p14="http://schemas.microsoft.com/office/powerpoint/2010/main" val="3876321132"/>
+        <p14:creationId xmlns:p14="http://schemas.microsoft.com/office/powerpoint/2010/main" val="85917785"/>
       </p:ext>
     </p:extLst>
   </p:cSld>
@@ -888,7 +887,7 @@
     </p:spTree>
     <p:extLst>
       <p:ext uri="{BB962C8B-B14F-4D97-AF65-F5344CB8AC3E}">
-        <p14:creationId xmlns:p14="http://schemas.microsoft.com/office/powerpoint/2010/main" val="85917785"/>
+        <p14:creationId xmlns:p14="http://schemas.microsoft.com/office/powerpoint/2010/main" val="1436347083"/>
       </p:ext>
     </p:extLst>
   </p:cSld>
@@ -964,90 +963,6 @@
             <a:fld id="{04EC4CF9-69BC-034A-86DA-E1DADC6FAF10}" type="slidenum">
               <a:rPr lang="en-US" smtClean="0"/>
               <a:t>14</a:t>
-            </a:fld>
-            <a:endParaRPr lang="en-US"/>
-          </a:p>
-        </p:txBody>
-      </p:sp>
-    </p:spTree>
-    <p:extLst>
-      <p:ext uri="{BB962C8B-B14F-4D97-AF65-F5344CB8AC3E}">
-        <p14:creationId xmlns:p14="http://schemas.microsoft.com/office/powerpoint/2010/main" val="1436347083"/>
-      </p:ext>
-    </p:extLst>
-  </p:cSld>
-  <p:clrMapOvr>
-    <a:masterClrMapping/>
-  </p:clrMapOvr>
-</p:notes>
-</file>
-
-<file path=ppt/notesSlides/notesSlide15.xml><?xml version="1.0" encoding="utf-8"?>
-<p:notes xmlns:a="http://schemas.openxmlformats.org/drawingml/2006/main" xmlns:r="http://schemas.openxmlformats.org/officeDocument/2006/relationships" xmlns:p="http://schemas.openxmlformats.org/presentationml/2006/main">
-  <p:cSld>
-    <p:spTree>
-      <p:nvGrpSpPr>
-        <p:cNvPr id="1" name=""/>
-        <p:cNvGrpSpPr/>
-        <p:nvPr/>
-      </p:nvGrpSpPr>
-      <p:grpSpPr>
-        <a:xfrm>
-          <a:off x="0" y="0"/>
-          <a:ext cx="0" cy="0"/>
-          <a:chOff x="0" y="0"/>
-          <a:chExt cx="0" cy="0"/>
-        </a:xfrm>
-      </p:grpSpPr>
-      <p:sp>
-        <p:nvSpPr>
-          <p:cNvPr id="2" name="Slide Image Placeholder 1"/>
-          <p:cNvSpPr>
-            <a:spLocks noGrp="1" noRot="1" noChangeAspect="1"/>
-          </p:cNvSpPr>
-          <p:nvPr>
-            <p:ph type="sldImg"/>
-          </p:nvPr>
-        </p:nvSpPr>
-        <p:spPr/>
-      </p:sp>
-      <p:sp>
-        <p:nvSpPr>
-          <p:cNvPr id="3" name="Notes Placeholder 2"/>
-          <p:cNvSpPr>
-            <a:spLocks noGrp="1"/>
-          </p:cNvSpPr>
-          <p:nvPr>
-            <p:ph type="body" idx="1"/>
-          </p:nvPr>
-        </p:nvSpPr>
-        <p:spPr/>
-        <p:txBody>
-          <a:bodyPr/>
-          <a:lstStyle/>
-          <a:p>
-            <a:endParaRPr lang="en-US"/>
-          </a:p>
-        </p:txBody>
-      </p:sp>
-      <p:sp>
-        <p:nvSpPr>
-          <p:cNvPr id="4" name="Slide Number Placeholder 3"/>
-          <p:cNvSpPr>
-            <a:spLocks noGrp="1"/>
-          </p:cNvSpPr>
-          <p:nvPr>
-            <p:ph type="sldNum" sz="quarter" idx="5"/>
-          </p:nvPr>
-        </p:nvSpPr>
-        <p:spPr/>
-        <p:txBody>
-          <a:bodyPr/>
-          <a:lstStyle/>
-          <a:p>
-            <a:fld id="{04EC4CF9-69BC-034A-86DA-E1DADC6FAF10}" type="slidenum">
-              <a:rPr lang="en-US" smtClean="0"/>
-              <a:t>15</a:t>
             </a:fld>
             <a:endParaRPr lang="en-US"/>
           </a:p>
@@ -1392,7 +1307,7 @@
     </p:spTree>
     <p:extLst>
       <p:ext uri="{BB962C8B-B14F-4D97-AF65-F5344CB8AC3E}">
-        <p14:creationId xmlns:p14="http://schemas.microsoft.com/office/powerpoint/2010/main" val="3265827047"/>
+        <p14:creationId xmlns:p14="http://schemas.microsoft.com/office/powerpoint/2010/main" val="2582224695"/>
       </p:ext>
     </p:extLst>
   </p:cSld>
@@ -1476,7 +1391,7 @@
     </p:spTree>
     <p:extLst>
       <p:ext uri="{BB962C8B-B14F-4D97-AF65-F5344CB8AC3E}">
-        <p14:creationId xmlns:p14="http://schemas.microsoft.com/office/powerpoint/2010/main" val="540700029"/>
+        <p14:creationId xmlns:p14="http://schemas.microsoft.com/office/powerpoint/2010/main" val="3010843482"/>
       </p:ext>
     </p:extLst>
   </p:cSld>
@@ -1560,7 +1475,7 @@
     </p:spTree>
     <p:extLst>
       <p:ext uri="{BB962C8B-B14F-4D97-AF65-F5344CB8AC3E}">
-        <p14:creationId xmlns:p14="http://schemas.microsoft.com/office/powerpoint/2010/main" val="3010843482"/>
+        <p14:creationId xmlns:p14="http://schemas.microsoft.com/office/powerpoint/2010/main" val="1761166516"/>
       </p:ext>
     </p:extLst>
   </p:cSld>
@@ -1644,7 +1559,7 @@
     </p:spTree>
     <p:extLst>
       <p:ext uri="{BB962C8B-B14F-4D97-AF65-F5344CB8AC3E}">
-        <p14:creationId xmlns:p14="http://schemas.microsoft.com/office/powerpoint/2010/main" val="1761166516"/>
+        <p14:creationId xmlns:p14="http://schemas.microsoft.com/office/powerpoint/2010/main" val="1392350477"/>
       </p:ext>
     </p:extLst>
   </p:cSld>
@@ -1698,7 +1613,7 @@
           <a:bodyPr/>
           <a:lstStyle/>
           <a:p>
-            <a:endParaRPr lang="en-US"/>
+            <a:endParaRPr lang="en-US" dirty="0"/>
           </a:p>
         </p:txBody>
       </p:sp>
@@ -1728,7 +1643,7 @@
     </p:spTree>
     <p:extLst>
       <p:ext uri="{BB962C8B-B14F-4D97-AF65-F5344CB8AC3E}">
-        <p14:creationId xmlns:p14="http://schemas.microsoft.com/office/powerpoint/2010/main" val="1392350477"/>
+        <p14:creationId xmlns:p14="http://schemas.microsoft.com/office/powerpoint/2010/main" val="2140077023"/>
       </p:ext>
     </p:extLst>
   </p:cSld>
@@ -5460,14 +5375,14 @@
           <a:lstStyle/>
           <a:p>
             <a:r>
-              <a:rPr lang="en-US">
+              <a:rPr lang="en-US" sz="4800" dirty="0">
                 <a:latin typeface="Helvetica Neue" panose="02000503000000020004" pitchFamily="2" charset="0"/>
-                <a:ea typeface="Helvetica Neue" panose="02000503000000020004" pitchFamily="2" charset="0"/>
+                <a:ea typeface="Helvetica Neue Light" panose="02000403000000020004" pitchFamily="2" charset="0"/>
                 <a:cs typeface="Helvetica Neue" panose="02000503000000020004" pitchFamily="2" charset="0"/>
               </a:rPr>
-              <a:t>Project Name</a:t>
-            </a:r>
-            <a:endParaRPr lang="en-US" sz="4800">
+              <a:t>Warehouse Management</a:t>
+            </a:r>
+            <a:endParaRPr lang="en-US" sz="4800" dirty="0">
               <a:latin typeface="Helvetica Neue Light" panose="02000403000000020004" pitchFamily="2" charset="0"/>
               <a:ea typeface="Helvetica Neue Light" panose="02000403000000020004" pitchFamily="2" charset="0"/>
               <a:cs typeface="Helvetica Neue" panose="02000503000000020004" pitchFamily="2" charset="0"/>
@@ -5503,41 +5418,65 @@
           <a:p>
             <a:pPr algn="l"/>
             <a:r>
-              <a:rPr lang="en-US">
+              <a:rPr lang="en-US" dirty="0">
                 <a:latin typeface="Helvetica Neue Thin" panose="020B0403020202020204" pitchFamily="34" charset="0"/>
                 <a:ea typeface="Helvetica Neue Thin" panose="020B0403020202020204" pitchFamily="34" charset="0"/>
               </a:rPr>
-              <a:t>Class Name:	PF0x</a:t>
+              <a:t>Class Name:	PF1126</a:t>
             </a:r>
           </a:p>
           <a:p>
             <a:pPr algn="l"/>
             <a:r>
-              <a:rPr lang="en-US">
+              <a:rPr lang="en-US" dirty="0">
                 <a:latin typeface="Helvetica Neue Thin" panose="020B0403020202020204" pitchFamily="34" charset="0"/>
                 <a:ea typeface="Helvetica Neue Thin" panose="020B0403020202020204" pitchFamily="34" charset="0"/>
               </a:rPr>
-              <a:t>Group Name:	Group_Name</a:t>
+              <a:t>Group Name: Vu Minh Long</a:t>
             </a:r>
           </a:p>
           <a:p>
             <a:pPr algn="l"/>
             <a:r>
-              <a:rPr lang="en-US">
+              <a:rPr lang="en-US" dirty="0">
                 <a:latin typeface="Helvetica Neue Thin" panose="020B0403020202020204" pitchFamily="34" charset="0"/>
                 <a:ea typeface="Helvetica Neue Thin" panose="020B0403020202020204" pitchFamily="34" charset="0"/>
               </a:rPr>
-              <a:t>Member: 	Member_Name</a:t>
+              <a:t>Member: 	Vu Quang Minh</a:t>
             </a:r>
           </a:p>
           <a:p>
             <a:pPr algn="l"/>
             <a:r>
-              <a:rPr lang="en-US">
+              <a:rPr lang="en-US" dirty="0">
                 <a:latin typeface="Helvetica Neue Thin" panose="020B0403020202020204" pitchFamily="34" charset="0"/>
                 <a:ea typeface="Helvetica Neue Thin" panose="020B0403020202020204" pitchFamily="34" charset="0"/>
               </a:rPr>
-              <a:t>		Member_Name</a:t>
+              <a:t>		Phan </a:t>
+            </a:r>
+            <a:r>
+              <a:rPr lang="en-US" dirty="0" err="1">
+                <a:latin typeface="Helvetica Neue Thin" panose="020B0403020202020204" pitchFamily="34" charset="0"/>
+                <a:ea typeface="Helvetica Neue Thin" panose="020B0403020202020204" pitchFamily="34" charset="0"/>
+              </a:rPr>
+              <a:t>Canh</a:t>
+            </a:r>
+            <a:r>
+              <a:rPr lang="en-US" dirty="0">
+                <a:latin typeface="Helvetica Neue Thin" panose="020B0403020202020204" pitchFamily="34" charset="0"/>
+                <a:ea typeface="Helvetica Neue Thin" panose="020B0403020202020204" pitchFamily="34" charset="0"/>
+              </a:rPr>
+              <a:t> Long Vu</a:t>
+            </a:r>
+          </a:p>
+          <a:p>
+            <a:pPr algn="l"/>
+            <a:r>
+              <a:rPr lang="en-US" dirty="0">
+                <a:latin typeface="Helvetica Neue Thin" panose="020B0403020202020204" pitchFamily="34" charset="0"/>
+                <a:ea typeface="Helvetica Neue Thin" panose="020B0403020202020204" pitchFamily="34" charset="0"/>
+              </a:rPr>
+              <a:t>		Nguyen Gia Long</a:t>
             </a:r>
           </a:p>
         </p:txBody>
@@ -5570,6 +5509,14 @@
 <file path=ppt/slides/slide10.xml><?xml version="1.0" encoding="utf-8"?>
 <p:sld xmlns:a="http://schemas.openxmlformats.org/drawingml/2006/main" xmlns:r="http://schemas.openxmlformats.org/officeDocument/2006/relationships" xmlns:p="http://schemas.openxmlformats.org/presentationml/2006/main">
   <p:cSld>
+    <p:bg>
+      <p:bgPr>
+        <a:solidFill>
+          <a:schemeClr val="bg1"/>
+        </a:solidFill>
+        <a:effectLst/>
+      </p:bgPr>
+    </p:bg>
     <p:spTree>
       <p:nvGrpSpPr>
         <p:cNvPr id="1" name=""/>
@@ -5615,7 +5562,7 @@
                 <a:latin typeface="Helvetica Neue Light" panose="02000403000000020004" pitchFamily="2" charset="0"/>
                 <a:ea typeface="Helvetica Neue Light" panose="02000403000000020004" pitchFamily="2" charset="0"/>
               </a:rPr>
-              <a:t>Deployment Diagram</a:t>
+              <a:t>UI Design</a:t>
             </a:r>
           </a:p>
         </p:txBody>
@@ -5759,7 +5706,7 @@
     </p:spTree>
     <p:extLst>
       <p:ext uri="{BB962C8B-B14F-4D97-AF65-F5344CB8AC3E}">
-        <p14:creationId xmlns:p14="http://schemas.microsoft.com/office/powerpoint/2010/main" val="673445278"/>
+        <p14:creationId xmlns:p14="http://schemas.microsoft.com/office/powerpoint/2010/main" val="1512216451"/>
       </p:ext>
     </p:extLst>
   </p:cSld>
@@ -5837,7 +5784,7 @@
                 <a:latin typeface="Helvetica Neue Light" panose="02000403000000020004" pitchFamily="2" charset="0"/>
                 <a:ea typeface="Helvetica Neue Light" panose="02000403000000020004" pitchFamily="2" charset="0"/>
               </a:rPr>
-              <a:t>UI Design</a:t>
+              <a:t>Task Assign (to each team member)</a:t>
             </a:r>
           </a:p>
         </p:txBody>
@@ -5981,7 +5928,7 @@
     </p:spTree>
     <p:extLst>
       <p:ext uri="{BB962C8B-B14F-4D97-AF65-F5344CB8AC3E}">
-        <p14:creationId xmlns:p14="http://schemas.microsoft.com/office/powerpoint/2010/main" val="1512216451"/>
+        <p14:creationId xmlns:p14="http://schemas.microsoft.com/office/powerpoint/2010/main" val="3661484614"/>
       </p:ext>
     </p:extLst>
   </p:cSld>
@@ -6006,14 +5953,6 @@
 <file path=ppt/slides/slide12.xml><?xml version="1.0" encoding="utf-8"?>
 <p:sld xmlns:a="http://schemas.openxmlformats.org/drawingml/2006/main" xmlns:r="http://schemas.openxmlformats.org/officeDocument/2006/relationships" xmlns:p="http://schemas.openxmlformats.org/presentationml/2006/main">
   <p:cSld>
-    <p:bg>
-      <p:bgPr>
-        <a:solidFill>
-          <a:schemeClr val="bg1"/>
-        </a:solidFill>
-        <a:effectLst/>
-      </p:bgPr>
-    </p:bg>
     <p:spTree>
       <p:nvGrpSpPr>
         <p:cNvPr id="1" name=""/>
@@ -6059,7 +5998,7 @@
                 <a:latin typeface="Helvetica Neue Light" panose="02000403000000020004" pitchFamily="2" charset="0"/>
                 <a:ea typeface="Helvetica Neue Light" panose="02000403000000020004" pitchFamily="2" charset="0"/>
               </a:rPr>
-              <a:t>Task Assign (to each team member)</a:t>
+              <a:t>Experience Learned</a:t>
             </a:r>
           </a:p>
         </p:txBody>
@@ -6203,7 +6142,7 @@
     </p:spTree>
     <p:extLst>
       <p:ext uri="{BB962C8B-B14F-4D97-AF65-F5344CB8AC3E}">
-        <p14:creationId xmlns:p14="http://schemas.microsoft.com/office/powerpoint/2010/main" val="3661484614"/>
+        <p14:creationId xmlns:p14="http://schemas.microsoft.com/office/powerpoint/2010/main" val="2698680696"/>
       </p:ext>
     </p:extLst>
   </p:cSld>
@@ -6242,220 +6181,6 @@
           <a:chExt cx="0" cy="0"/>
         </a:xfrm>
       </p:grpSpPr>
-      <p:sp>
-        <p:nvSpPr>
-          <p:cNvPr id="2" name="Title 1">
-            <a:extLst>
-              <a:ext uri="{FF2B5EF4-FFF2-40B4-BE49-F238E27FC236}">
-                <a16:creationId xmlns:a16="http://schemas.microsoft.com/office/drawing/2014/main" id="{AD226F5C-4F30-CE40-A40F-5A13C8C2C1EF}"/>
-              </a:ext>
-            </a:extLst>
-          </p:cNvPr>
-          <p:cNvSpPr>
-            <a:spLocks noGrp="1"/>
-          </p:cNvSpPr>
-          <p:nvPr>
-            <p:ph type="title"/>
-          </p:nvPr>
-        </p:nvSpPr>
-        <p:spPr>
-          <a:xfrm>
-            <a:off x="163103" y="263301"/>
-            <a:ext cx="11844998" cy="663575"/>
-          </a:xfrm>
-        </p:spPr>
-        <p:txBody>
-          <a:bodyPr/>
-          <a:lstStyle/>
-          <a:p>
-            <a:r>
-              <a:rPr lang="en-US" dirty="0">
-                <a:latin typeface="Helvetica Neue Light" panose="02000403000000020004" pitchFamily="2" charset="0"/>
-                <a:ea typeface="Helvetica Neue Light" panose="02000403000000020004" pitchFamily="2" charset="0"/>
-              </a:rPr>
-              <a:t>Experience Learned</a:t>
-            </a:r>
-          </a:p>
-        </p:txBody>
-      </p:sp>
-      <p:sp>
-        <p:nvSpPr>
-          <p:cNvPr id="3" name="Content Placeholder 2">
-            <a:extLst>
-              <a:ext uri="{FF2B5EF4-FFF2-40B4-BE49-F238E27FC236}">
-                <a16:creationId xmlns:a16="http://schemas.microsoft.com/office/drawing/2014/main" id="{21309EEA-748E-1B4D-9BA2-2ADAA2FBB16C}"/>
-              </a:ext>
-            </a:extLst>
-          </p:cNvPr>
-          <p:cNvSpPr>
-            <a:spLocks noGrp="1"/>
-          </p:cNvSpPr>
-          <p:nvPr>
-            <p:ph idx="1"/>
-          </p:nvPr>
-        </p:nvSpPr>
-        <p:spPr>
-          <a:xfrm>
-            <a:off x="165729" y="1074057"/>
-            <a:ext cx="11844997" cy="5411149"/>
-          </a:xfrm>
-        </p:spPr>
-        <p:txBody>
-          <a:bodyPr>
-            <a:normAutofit/>
-          </a:bodyPr>
-          <a:lstStyle/>
-          <a:p>
-            <a:endParaRPr lang="en-US" sz="2400">
-              <a:latin typeface="Helvetica Neue Light" panose="02000403000000020004" pitchFamily="2" charset="0"/>
-              <a:ea typeface="Helvetica Neue Light" panose="02000403000000020004" pitchFamily="2" charset="0"/>
-            </a:endParaRPr>
-          </a:p>
-        </p:txBody>
-      </p:sp>
-      <p:sp>
-        <p:nvSpPr>
-          <p:cNvPr id="4" name="Date Placeholder 3">
-            <a:extLst>
-              <a:ext uri="{FF2B5EF4-FFF2-40B4-BE49-F238E27FC236}">
-                <a16:creationId xmlns:a16="http://schemas.microsoft.com/office/drawing/2014/main" id="{291E8C4B-4E8D-F64F-BE3C-62B56F17ACA1}"/>
-              </a:ext>
-            </a:extLst>
-          </p:cNvPr>
-          <p:cNvSpPr>
-            <a:spLocks noGrp="1"/>
-          </p:cNvSpPr>
-          <p:nvPr>
-            <p:ph type="dt" sz="half" idx="10"/>
-          </p:nvPr>
-        </p:nvSpPr>
-        <p:spPr>
-          <a:xfrm>
-            <a:off x="140677" y="6503894"/>
-            <a:ext cx="1382488" cy="365125"/>
-          </a:xfrm>
-        </p:spPr>
-        <p:txBody>
-          <a:bodyPr/>
-          <a:lstStyle/>
-          <a:p>
-            <a:r>
-              <a:rPr lang="en-US"/>
-              <a:t>© VTC Academy</a:t>
-            </a:r>
-            <a:endParaRPr lang="en-US" dirty="0"/>
-          </a:p>
-        </p:txBody>
-      </p:sp>
-      <p:sp>
-        <p:nvSpPr>
-          <p:cNvPr id="5" name="Footer Placeholder 4">
-            <a:extLst>
-              <a:ext uri="{FF2B5EF4-FFF2-40B4-BE49-F238E27FC236}">
-                <a16:creationId xmlns:a16="http://schemas.microsoft.com/office/drawing/2014/main" id="{65422569-5ADE-0445-9723-785B8D5A14D9}"/>
-              </a:ext>
-            </a:extLst>
-          </p:cNvPr>
-          <p:cNvSpPr>
-            <a:spLocks noGrp="1"/>
-          </p:cNvSpPr>
-          <p:nvPr>
-            <p:ph type="ftr" sz="quarter" idx="11"/>
-          </p:nvPr>
-        </p:nvSpPr>
-        <p:spPr>
-          <a:xfrm>
-            <a:off x="1735015" y="6506943"/>
-            <a:ext cx="8721969" cy="365125"/>
-          </a:xfrm>
-        </p:spPr>
-        <p:txBody>
-          <a:bodyPr/>
-          <a:lstStyle/>
-          <a:p>
-            <a:r>
-              <a:rPr lang="en-US"/>
-              <a:t>Project Name</a:t>
-            </a:r>
-          </a:p>
-        </p:txBody>
-      </p:sp>
-      <p:sp>
-        <p:nvSpPr>
-          <p:cNvPr id="6" name="Slide Number Placeholder 5">
-            <a:extLst>
-              <a:ext uri="{FF2B5EF4-FFF2-40B4-BE49-F238E27FC236}">
-                <a16:creationId xmlns:a16="http://schemas.microsoft.com/office/drawing/2014/main" id="{1CC4D354-512F-CC4A-B39A-EDEC6E17F71C}"/>
-              </a:ext>
-            </a:extLst>
-          </p:cNvPr>
-          <p:cNvSpPr>
-            <a:spLocks noGrp="1"/>
-          </p:cNvSpPr>
-          <p:nvPr>
-            <p:ph type="sldNum" sz="quarter" idx="12"/>
-          </p:nvPr>
-        </p:nvSpPr>
-        <p:spPr>
-          <a:xfrm>
-            <a:off x="10654642" y="6517962"/>
-            <a:ext cx="1353459" cy="365125"/>
-          </a:xfrm>
-        </p:spPr>
-        <p:txBody>
-          <a:bodyPr/>
-          <a:lstStyle/>
-          <a:p>
-            <a:fld id="{B9BA5F68-B450-774B-A94B-86322AF8B758}" type="slidenum">
-              <a:rPr lang="en-US" smtClean="0"/>
-              <a:t>13</a:t>
-            </a:fld>
-            <a:endParaRPr lang="en-US" dirty="0"/>
-          </a:p>
-        </p:txBody>
-      </p:sp>
-    </p:spTree>
-    <p:extLst>
-      <p:ext uri="{BB962C8B-B14F-4D97-AF65-F5344CB8AC3E}">
-        <p14:creationId xmlns:p14="http://schemas.microsoft.com/office/powerpoint/2010/main" val="2698680696"/>
-      </p:ext>
-    </p:extLst>
-  </p:cSld>
-  <p:clrMapOvr>
-    <a:masterClrMapping/>
-  </p:clrMapOvr>
-  <mc:AlternateContent xmlns:mc="http://schemas.openxmlformats.org/markup-compatibility/2006" xmlns:p14="http://schemas.microsoft.com/office/powerpoint/2010/main">
-    <mc:Choice Requires="p14">
-      <p:transition spd="med" p14:dur="700">
-        <p:fade/>
-      </p:transition>
-    </mc:Choice>
-    <mc:Fallback xmlns="">
-      <p:transition spd="med">
-        <p:fade/>
-      </p:transition>
-    </mc:Fallback>
-  </mc:AlternateContent>
-</p:sld>
-</file>
-
-<file path=ppt/slides/slide14.xml><?xml version="1.0" encoding="utf-8"?>
-<p:sld xmlns:a="http://schemas.openxmlformats.org/drawingml/2006/main" xmlns:r="http://schemas.openxmlformats.org/officeDocument/2006/relationships" xmlns:p="http://schemas.openxmlformats.org/presentationml/2006/main">
-  <p:cSld>
-    <p:spTree>
-      <p:nvGrpSpPr>
-        <p:cNvPr id="1" name=""/>
-        <p:cNvGrpSpPr/>
-        <p:nvPr/>
-      </p:nvGrpSpPr>
-      <p:grpSpPr>
-        <a:xfrm>
-          <a:off x="0" y="0"/>
-          <a:ext cx="0" cy="0"/>
-          <a:chOff x="0" y="0"/>
-          <a:chExt cx="0" cy="0"/>
-        </a:xfrm>
-      </p:grpSpPr>
       <p:pic>
         <p:nvPicPr>
           <p:cNvPr id="6" name="Picture 5">
@@ -6511,7 +6236,7 @@
 </p:sld>
 </file>
 
-<file path=ppt/slides/slide15.xml><?xml version="1.0" encoding="utf-8"?>
+<file path=ppt/slides/slide14.xml><?xml version="1.0" encoding="utf-8"?>
 <p:sld xmlns:a="http://schemas.openxmlformats.org/drawingml/2006/main" xmlns:r="http://schemas.openxmlformats.org/officeDocument/2006/relationships" xmlns:p="http://schemas.openxmlformats.org/presentationml/2006/main">
   <p:cSld>
     <p:spTree>
@@ -6684,10 +6409,58 @@
           </a:bodyPr>
           <a:lstStyle/>
           <a:p>
-            <a:endParaRPr lang="en-US" sz="2400">
-              <a:latin typeface="Helvetica Neue Light" panose="02000403000000020004" pitchFamily="2" charset="0"/>
-              <a:ea typeface="Helvetica Neue Light" panose="02000403000000020004" pitchFamily="2" charset="0"/>
-            </a:endParaRPr>
+            <a:r>
+              <a:rPr lang="en-US" sz="2400" dirty="0">
+                <a:latin typeface="Helvetica Neue Light" panose="02000403000000020004" pitchFamily="2" charset="0"/>
+                <a:ea typeface="Helvetica Neue Light" panose="02000403000000020004" pitchFamily="2" charset="0"/>
+              </a:rPr>
+              <a:t>Increase Warehouse Management Efficiency</a:t>
+            </a:r>
+          </a:p>
+          <a:p>
+            <a:r>
+              <a:rPr lang="en-US" sz="2400" dirty="0">
+                <a:latin typeface="Helvetica Neue Light" panose="02000403000000020004" pitchFamily="2" charset="0"/>
+                <a:ea typeface="Helvetica Neue Light" panose="02000403000000020004" pitchFamily="2" charset="0"/>
+              </a:rPr>
+              <a:t>Accurate Inventory Data</a:t>
+            </a:r>
+          </a:p>
+          <a:p>
+            <a:r>
+              <a:rPr lang="en-US" sz="2400" dirty="0">
+                <a:latin typeface="Helvetica Neue Light" panose="02000403000000020004" pitchFamily="2" charset="0"/>
+                <a:ea typeface="Helvetica Neue Light" panose="02000403000000020004" pitchFamily="2" charset="0"/>
+              </a:rPr>
+              <a:t>Improve Inventory Processes</a:t>
+            </a:r>
+          </a:p>
+          <a:p>
+            <a:r>
+              <a:rPr lang="en-US" sz="2400" dirty="0">
+                <a:latin typeface="Helvetica Neue Light" panose="02000403000000020004" pitchFamily="2" charset="0"/>
+                <a:ea typeface="Helvetica Neue Light" panose="02000403000000020004" pitchFamily="2" charset="0"/>
+              </a:rPr>
+              <a:t>Enhance Traceability and Reporting</a:t>
+            </a:r>
+          </a:p>
+          <a:p>
+            <a:r>
+              <a:rPr lang="en-US" sz="2400" dirty="0">
+                <a:latin typeface="Helvetica Neue Light" panose="02000403000000020004" pitchFamily="2" charset="0"/>
+                <a:ea typeface="Helvetica Neue Light" panose="02000403000000020004" pitchFamily="2" charset="0"/>
+              </a:rPr>
+              <a:t>Improve Order Management</a:t>
+            </a:r>
+          </a:p>
+          <a:p>
+            <a:r>
+              <a:rPr lang="en-US" sz="2400" dirty="0">
+                <a:latin typeface="Helvetica Neue Light" panose="02000403000000020004" pitchFamily="2" charset="0"/>
+                <a:ea typeface="Helvetica Neue Light" panose="02000403000000020004" pitchFamily="2" charset="0"/>
+              </a:rPr>
+              <a:t>Improve Security and Decentralization</a:t>
+            </a:r>
           </a:p>
         </p:txBody>
       </p:sp>
@@ -6752,8 +6525,8 @@
           <a:lstStyle/>
           <a:p>
             <a:r>
-              <a:rPr lang="en-US"/>
-              <a:t>Project Name</a:t>
+              <a:rPr lang="en-US" dirty="0"/>
+              <a:t>Warehouse Management</a:t>
             </a:r>
           </a:p>
         </p:txBody>
@@ -6906,10 +6679,31 @@
           </a:bodyPr>
           <a:lstStyle/>
           <a:p>
-            <a:endParaRPr lang="en-US" sz="2400">
-              <a:latin typeface="Helvetica Neue Light" panose="02000403000000020004" pitchFamily="2" charset="0"/>
-              <a:ea typeface="Helvetica Neue Light" panose="02000403000000020004" pitchFamily="2" charset="0"/>
-            </a:endParaRPr>
+            <a:r>
+              <a:rPr lang="en-US" sz="2400" dirty="0">
+                <a:latin typeface="Helvetica Neue Light" panose="02000403000000020004" pitchFamily="2" charset="0"/>
+                <a:ea typeface="Helvetica Neue Light" panose="02000403000000020004" pitchFamily="2" charset="0"/>
+              </a:rPr>
+              <a:t>Warehouse Management System is designed to support efficient management of import and export processes and inventory of finished products. </a:t>
+            </a:r>
+          </a:p>
+          <a:p>
+            <a:r>
+              <a:rPr lang="en-US" sz="2400" dirty="0">
+                <a:latin typeface="Helvetica Neue Light" panose="02000403000000020004" pitchFamily="2" charset="0"/>
+                <a:ea typeface="Helvetica Neue Light" panose="02000403000000020004" pitchFamily="2" charset="0"/>
+              </a:rPr>
+              <a:t>This system helping to optimize warehouse management processes, from inventory tracking, supplier management, to product distribution and processing of input/output requests. </a:t>
+            </a:r>
+          </a:p>
+          <a:p>
+            <a:r>
+              <a:rPr lang="en-US" sz="2400" dirty="0">
+                <a:latin typeface="Helvetica Neue Light" panose="02000403000000020004" pitchFamily="2" charset="0"/>
+                <a:ea typeface="Helvetica Neue Light" panose="02000403000000020004" pitchFamily="2" charset="0"/>
+              </a:rPr>
+              <a:t>The system provides solutions to improve management efficiency, ensure accurate and relevant data, and support management based on detailed reports.</a:t>
+            </a:r>
           </a:p>
         </p:txBody>
       </p:sp>
@@ -6974,8 +6768,8 @@
           <a:lstStyle/>
           <a:p>
             <a:r>
-              <a:rPr lang="en-US"/>
-              <a:t>Project Name</a:t>
+              <a:rPr lang="en-US" dirty="0"/>
+              <a:t>Warehouse Management</a:t>
             </a:r>
           </a:p>
         </p:txBody>
@@ -7128,7 +6922,70 @@
           </a:bodyPr>
           <a:lstStyle/>
           <a:p>
-            <a:endParaRPr lang="en-US" sz="2400">
+            <a:r>
+              <a:rPr lang="en-US" sz="2400" dirty="0">
+                <a:latin typeface="Helvetica Neue Light" panose="02000403000000020004" pitchFamily="2" charset="0"/>
+                <a:ea typeface="Helvetica Neue Light" panose="02000403000000020004" pitchFamily="2" charset="0"/>
+              </a:rPr>
+              <a:t>User management</a:t>
+            </a:r>
+          </a:p>
+          <a:p>
+            <a:r>
+              <a:rPr lang="en-US" sz="2400" dirty="0">
+                <a:latin typeface="Helvetica Neue Light" panose="02000403000000020004" pitchFamily="2" charset="0"/>
+                <a:ea typeface="Helvetica Neue Light" panose="02000403000000020004" pitchFamily="2" charset="0"/>
+              </a:rPr>
+              <a:t>Supplier management</a:t>
+            </a:r>
+          </a:p>
+          <a:p>
+            <a:r>
+              <a:rPr lang="en-US" sz="2400" dirty="0">
+                <a:latin typeface="Helvetica Neue Light" panose="02000403000000020004" pitchFamily="2" charset="0"/>
+                <a:ea typeface="Helvetica Neue Light" panose="02000403000000020004" pitchFamily="2" charset="0"/>
+              </a:rPr>
+              <a:t>Warehouse management</a:t>
+            </a:r>
+          </a:p>
+          <a:p>
+            <a:r>
+              <a:rPr lang="en-US" sz="2400" dirty="0">
+                <a:latin typeface="Helvetica Neue Light" panose="02000403000000020004" pitchFamily="2" charset="0"/>
+                <a:ea typeface="Helvetica Neue Light" panose="02000403000000020004" pitchFamily="2" charset="0"/>
+              </a:rPr>
+              <a:t>Product management</a:t>
+            </a:r>
+          </a:p>
+          <a:p>
+            <a:r>
+              <a:rPr lang="en-US" sz="2400" dirty="0">
+                <a:latin typeface="Helvetica Neue Light" panose="02000403000000020004" pitchFamily="2" charset="0"/>
+                <a:ea typeface="Helvetica Neue Light" panose="02000403000000020004" pitchFamily="2" charset="0"/>
+              </a:rPr>
+              <a:t>Stock management</a:t>
+            </a:r>
+          </a:p>
+          <a:p>
+            <a:r>
+              <a:rPr lang="en-US" sz="2400" dirty="0">
+                <a:latin typeface="Helvetica Neue Light" panose="02000403000000020004" pitchFamily="2" charset="0"/>
+                <a:ea typeface="Helvetica Neue Light" panose="02000403000000020004" pitchFamily="2" charset="0"/>
+              </a:rPr>
+              <a:t>Inbound/Outbound/Transfer management</a:t>
+            </a:r>
+          </a:p>
+          <a:p>
+            <a:r>
+              <a:rPr lang="en-US" sz="2400" dirty="0">
+                <a:latin typeface="Helvetica Neue Light" panose="02000403000000020004" pitchFamily="2" charset="0"/>
+                <a:ea typeface="Helvetica Neue Light" panose="02000403000000020004" pitchFamily="2" charset="0"/>
+              </a:rPr>
+              <a:t>Inventory Audit</a:t>
+            </a:r>
+          </a:p>
+          <a:p>
+            <a:endParaRPr lang="en-US" sz="2400" dirty="0">
               <a:latin typeface="Helvetica Neue Light" panose="02000403000000020004" pitchFamily="2" charset="0"/>
               <a:ea typeface="Helvetica Neue Light" panose="02000403000000020004" pitchFamily="2" charset="0"/>
             </a:endParaRPr>
@@ -7196,8 +7053,8 @@
           <a:lstStyle/>
           <a:p>
             <a:r>
-              <a:rPr lang="en-US"/>
-              <a:t>Project Name</a:t>
+              <a:rPr lang="en-US" dirty="0"/>
+              <a:t>Warehouse Management</a:t>
             </a:r>
           </a:p>
         </p:txBody>
@@ -7264,14 +7121,6 @@
 <file path=ppt/slides/slide5.xml><?xml version="1.0" encoding="utf-8"?>
 <p:sld xmlns:a="http://schemas.openxmlformats.org/drawingml/2006/main" xmlns:r="http://schemas.openxmlformats.org/officeDocument/2006/relationships" xmlns:p="http://schemas.openxmlformats.org/presentationml/2006/main">
   <p:cSld>
-    <p:bg>
-      <p:bgPr>
-        <a:solidFill>
-          <a:schemeClr val="bg1"/>
-        </a:solidFill>
-        <a:effectLst/>
-      </p:bgPr>
-    </p:bg>
     <p:spTree>
       <p:nvGrpSpPr>
         <p:cNvPr id="1" name=""/>
@@ -7322,41 +7171,34 @@
           </a:p>
         </p:txBody>
       </p:sp>
-      <p:sp>
-        <p:nvSpPr>
-          <p:cNvPr id="3" name="Content Placeholder 2">
-            <a:extLst>
-              <a:ext uri="{FF2B5EF4-FFF2-40B4-BE49-F238E27FC236}">
-                <a16:creationId xmlns:a16="http://schemas.microsoft.com/office/drawing/2014/main" id="{21309EEA-748E-1B4D-9BA2-2ADAA2FBB16C}"/>
-              </a:ext>
-            </a:extLst>
-          </p:cNvPr>
-          <p:cNvSpPr>
-            <a:spLocks noGrp="1"/>
-          </p:cNvSpPr>
+      <p:pic>
+        <p:nvPicPr>
+          <p:cNvPr id="8" name="Content Placeholder 7" descr="A diagram of a network&#10;&#10;Description automatically generated">
+            <a:extLst>
+              <a:ext uri="{FF2B5EF4-FFF2-40B4-BE49-F238E27FC236}">
+                <a16:creationId xmlns:a16="http://schemas.microsoft.com/office/drawing/2014/main" id="{9CDB4FB7-E240-6F36-A3C5-F76F1149BFC7}"/>
+              </a:ext>
+            </a:extLst>
+          </p:cNvPr>
+          <p:cNvPicPr>
+            <a:picLocks noGrp="1" noChangeAspect="1"/>
+          </p:cNvPicPr>
           <p:nvPr>
             <p:ph idx="1"/>
           </p:nvPr>
-        </p:nvSpPr>
-        <p:spPr>
-          <a:xfrm>
-            <a:off x="165729" y="1074057"/>
-            <a:ext cx="11844997" cy="5411149"/>
-          </a:xfrm>
-        </p:spPr>
-        <p:txBody>
-          <a:bodyPr>
-            <a:normAutofit/>
-          </a:bodyPr>
-          <a:lstStyle/>
-          <a:p>
-            <a:endParaRPr lang="en-US" sz="2400">
-              <a:latin typeface="Helvetica Neue Light" panose="02000403000000020004" pitchFamily="2" charset="0"/>
-              <a:ea typeface="Helvetica Neue Light" panose="02000403000000020004" pitchFamily="2" charset="0"/>
-            </a:endParaRPr>
-          </a:p>
-        </p:txBody>
-      </p:sp>
+        </p:nvPicPr>
+        <p:blipFill rotWithShape="1">
+          <a:blip r:embed="rId3"/>
+          <a:srcRect t="3110" b="7862"/>
+          <a:stretch/>
+        </p:blipFill>
+        <p:spPr>
+          <a:xfrm>
+            <a:off x="3880150" y="926876"/>
+            <a:ext cx="4431699" cy="5577018"/>
+          </a:xfrm>
+        </p:spPr>
+      </p:pic>
       <p:sp>
         <p:nvSpPr>
           <p:cNvPr id="4" name="Date Placeholder 3">
@@ -7418,8 +7260,8 @@
           <a:lstStyle/>
           <a:p>
             <a:r>
-              <a:rPr lang="en-US"/>
-              <a:t>Project Name</a:t>
+              <a:rPr lang="en-US" dirty="0"/>
+              <a:t>Warehouse Management</a:t>
             </a:r>
           </a:p>
         </p:txBody>
@@ -7461,7 +7303,7 @@
     </p:spTree>
     <p:extLst>
       <p:ext uri="{BB962C8B-B14F-4D97-AF65-F5344CB8AC3E}">
-        <p14:creationId xmlns:p14="http://schemas.microsoft.com/office/powerpoint/2010/main" val="2949223935"/>
+        <p14:creationId xmlns:p14="http://schemas.microsoft.com/office/powerpoint/2010/main" val="1616165828"/>
       </p:ext>
     </p:extLst>
   </p:cSld>
@@ -7539,7 +7381,7 @@
                 <a:latin typeface="Helvetica Neue Light" panose="02000403000000020004" pitchFamily="2" charset="0"/>
                 <a:ea typeface="Helvetica Neue Light" panose="02000403000000020004" pitchFamily="2" charset="0"/>
               </a:rPr>
-              <a:t>Activity Diagram</a:t>
+              <a:t>Sequence Diagram</a:t>
             </a:r>
           </a:p>
         </p:txBody>
@@ -7572,7 +7414,7 @@
           </a:bodyPr>
           <a:lstStyle/>
           <a:p>
-            <a:endParaRPr lang="en-US" sz="2400">
+            <a:endParaRPr lang="en-US" sz="2400" dirty="0">
               <a:latin typeface="Helvetica Neue Light" panose="02000403000000020004" pitchFamily="2" charset="0"/>
               <a:ea typeface="Helvetica Neue Light" panose="02000403000000020004" pitchFamily="2" charset="0"/>
             </a:endParaRPr>
@@ -7640,8 +7482,8 @@
           <a:lstStyle/>
           <a:p>
             <a:r>
-              <a:rPr lang="en-US"/>
-              <a:t>Project Name</a:t>
+              <a:rPr lang="en-US" dirty="0"/>
+              <a:t>Warehouse Management</a:t>
             </a:r>
           </a:p>
         </p:txBody>
@@ -7683,7 +7525,7 @@
     </p:spTree>
     <p:extLst>
       <p:ext uri="{BB962C8B-B14F-4D97-AF65-F5344CB8AC3E}">
-        <p14:creationId xmlns:p14="http://schemas.microsoft.com/office/powerpoint/2010/main" val="2431512275"/>
+        <p14:creationId xmlns:p14="http://schemas.microsoft.com/office/powerpoint/2010/main" val="1824775772"/>
       </p:ext>
     </p:extLst>
   </p:cSld>
@@ -7761,7 +7603,7 @@
                 <a:latin typeface="Helvetica Neue Light" panose="02000403000000020004" pitchFamily="2" charset="0"/>
                 <a:ea typeface="Helvetica Neue Light" panose="02000403000000020004" pitchFamily="2" charset="0"/>
               </a:rPr>
-              <a:t>Sequence Diagram</a:t>
+              <a:t>Class Diagram</a:t>
             </a:r>
           </a:p>
         </p:txBody>
@@ -7905,7 +7747,7 @@
     </p:spTree>
     <p:extLst>
       <p:ext uri="{BB962C8B-B14F-4D97-AF65-F5344CB8AC3E}">
-        <p14:creationId xmlns:p14="http://schemas.microsoft.com/office/powerpoint/2010/main" val="1824775772"/>
+        <p14:creationId xmlns:p14="http://schemas.microsoft.com/office/powerpoint/2010/main" val="2037354468"/>
       </p:ext>
     </p:extLst>
   </p:cSld>
@@ -7983,43 +7825,8 @@
                 <a:latin typeface="Helvetica Neue Light" panose="02000403000000020004" pitchFamily="2" charset="0"/>
                 <a:ea typeface="Helvetica Neue Light" panose="02000403000000020004" pitchFamily="2" charset="0"/>
               </a:rPr>
-              <a:t>Class Diagram</a:t>
-            </a:r>
-          </a:p>
-        </p:txBody>
-      </p:sp>
-      <p:sp>
-        <p:nvSpPr>
-          <p:cNvPr id="3" name="Content Placeholder 2">
-            <a:extLst>
-              <a:ext uri="{FF2B5EF4-FFF2-40B4-BE49-F238E27FC236}">
-                <a16:creationId xmlns:a16="http://schemas.microsoft.com/office/drawing/2014/main" id="{21309EEA-748E-1B4D-9BA2-2ADAA2FBB16C}"/>
-              </a:ext>
-            </a:extLst>
-          </p:cNvPr>
-          <p:cNvSpPr>
-            <a:spLocks noGrp="1"/>
-          </p:cNvSpPr>
-          <p:nvPr>
-            <p:ph idx="1"/>
-          </p:nvPr>
-        </p:nvSpPr>
-        <p:spPr>
-          <a:xfrm>
-            <a:off x="165729" y="1074057"/>
-            <a:ext cx="11844997" cy="5411149"/>
-          </a:xfrm>
-        </p:spPr>
-        <p:txBody>
-          <a:bodyPr>
-            <a:normAutofit/>
-          </a:bodyPr>
-          <a:lstStyle/>
-          <a:p>
-            <a:endParaRPr lang="en-US" sz="2400">
-              <a:latin typeface="Helvetica Neue Light" panose="02000403000000020004" pitchFamily="2" charset="0"/>
-              <a:ea typeface="Helvetica Neue Light" panose="02000403000000020004" pitchFamily="2" charset="0"/>
-            </a:endParaRPr>
+              <a:t>Entity Relationship Diagram</a:t>
+            </a:r>
           </a:p>
         </p:txBody>
       </p:sp>
@@ -8124,10 +7931,35 @@
           </a:p>
         </p:txBody>
       </p:sp>
+      <p:sp>
+        <p:nvSpPr>
+          <p:cNvPr id="10" name="Content Placeholder 9">
+            <a:extLst>
+              <a:ext uri="{FF2B5EF4-FFF2-40B4-BE49-F238E27FC236}">
+                <a16:creationId xmlns:a16="http://schemas.microsoft.com/office/drawing/2014/main" id="{C7247AA3-D644-7436-19B9-042BB766AC05}"/>
+              </a:ext>
+            </a:extLst>
+          </p:cNvPr>
+          <p:cNvSpPr>
+            <a:spLocks noGrp="1"/>
+          </p:cNvSpPr>
+          <p:nvPr>
+            <p:ph idx="1"/>
+          </p:nvPr>
+        </p:nvSpPr>
+        <p:spPr/>
+        <p:txBody>
+          <a:bodyPr/>
+          <a:lstStyle/>
+          <a:p>
+            <a:endParaRPr lang="en-US"/>
+          </a:p>
+        </p:txBody>
+      </p:sp>
     </p:spTree>
     <p:extLst>
       <p:ext uri="{BB962C8B-B14F-4D97-AF65-F5344CB8AC3E}">
-        <p14:creationId xmlns:p14="http://schemas.microsoft.com/office/powerpoint/2010/main" val="2037354468"/>
+        <p14:creationId xmlns:p14="http://schemas.microsoft.com/office/powerpoint/2010/main" val="2667165334"/>
       </p:ext>
     </p:extLst>
   </p:cSld>
@@ -8152,14 +7984,6 @@
 <file path=ppt/slides/slide9.xml><?xml version="1.0" encoding="utf-8"?>
 <p:sld xmlns:a="http://schemas.openxmlformats.org/drawingml/2006/main" xmlns:r="http://schemas.openxmlformats.org/officeDocument/2006/relationships" xmlns:p="http://schemas.openxmlformats.org/presentationml/2006/main">
   <p:cSld>
-    <p:bg>
-      <p:bgPr>
-        <a:solidFill>
-          <a:schemeClr val="bg1"/>
-        </a:solidFill>
-        <a:effectLst/>
-      </p:bgPr>
-    </p:bg>
     <p:spTree>
       <p:nvGrpSpPr>
         <p:cNvPr id="1" name=""/>
@@ -8205,46 +8029,40 @@
                 <a:latin typeface="Helvetica Neue Light" panose="02000403000000020004" pitchFamily="2" charset="0"/>
                 <a:ea typeface="Helvetica Neue Light" panose="02000403000000020004" pitchFamily="2" charset="0"/>
               </a:rPr>
-              <a:t>Entity Relationship Diagram</a:t>
-            </a:r>
-          </a:p>
-        </p:txBody>
-      </p:sp>
-      <p:sp>
-        <p:nvSpPr>
-          <p:cNvPr id="3" name="Content Placeholder 2">
-            <a:extLst>
-              <a:ext uri="{FF2B5EF4-FFF2-40B4-BE49-F238E27FC236}">
-                <a16:creationId xmlns:a16="http://schemas.microsoft.com/office/drawing/2014/main" id="{21309EEA-748E-1B4D-9BA2-2ADAA2FBB16C}"/>
-              </a:ext>
-            </a:extLst>
-          </p:cNvPr>
-          <p:cNvSpPr>
-            <a:spLocks noGrp="1"/>
-          </p:cNvSpPr>
+              <a:t>Deployment Diagram</a:t>
+            </a:r>
+          </a:p>
+        </p:txBody>
+      </p:sp>
+      <p:pic>
+        <p:nvPicPr>
+          <p:cNvPr id="8" name="Content Placeholder 7" descr="A diagram of a software server&#10;&#10;Description automatically generated">
+            <a:extLst>
+              <a:ext uri="{FF2B5EF4-FFF2-40B4-BE49-F238E27FC236}">
+                <a16:creationId xmlns:a16="http://schemas.microsoft.com/office/drawing/2014/main" id="{16A05CA4-4391-1B05-B2B4-B3138C8F75C1}"/>
+              </a:ext>
+            </a:extLst>
+          </p:cNvPr>
+          <p:cNvPicPr>
+            <a:picLocks noGrp="1" noChangeAspect="1"/>
+          </p:cNvPicPr>
           <p:nvPr>
             <p:ph idx="1"/>
           </p:nvPr>
-        </p:nvSpPr>
-        <p:spPr>
-          <a:xfrm>
-            <a:off x="165729" y="1074057"/>
-            <a:ext cx="11844997" cy="5411149"/>
-          </a:xfrm>
-        </p:spPr>
-        <p:txBody>
-          <a:bodyPr>
-            <a:normAutofit/>
-          </a:bodyPr>
-          <a:lstStyle/>
-          <a:p>
-            <a:endParaRPr lang="en-US" sz="2400">
-              <a:latin typeface="Helvetica Neue Light" panose="02000403000000020004" pitchFamily="2" charset="0"/>
-              <a:ea typeface="Helvetica Neue Light" panose="02000403000000020004" pitchFamily="2" charset="0"/>
-            </a:endParaRPr>
-          </a:p>
-        </p:txBody>
-      </p:sp>
+        </p:nvPicPr>
+        <p:blipFill>
+          <a:blip r:embed="rId3"/>
+          <a:stretch>
+            <a:fillRect/>
+          </a:stretch>
+        </p:blipFill>
+        <p:spPr>
+          <a:xfrm>
+            <a:off x="3749675" y="1489075"/>
+            <a:ext cx="4676775" cy="4581525"/>
+          </a:xfrm>
+        </p:spPr>
+      </p:pic>
       <p:sp>
         <p:nvSpPr>
           <p:cNvPr id="4" name="Date Placeholder 3">
@@ -8349,7 +8167,7 @@
     </p:spTree>
     <p:extLst>
       <p:ext uri="{BB962C8B-B14F-4D97-AF65-F5344CB8AC3E}">
-        <p14:creationId xmlns:p14="http://schemas.microsoft.com/office/powerpoint/2010/main" val="2667165334"/>
+        <p14:creationId xmlns:p14="http://schemas.microsoft.com/office/powerpoint/2010/main" val="673445278"/>
       </p:ext>
     </p:extLst>
   </p:cSld>
